--- a/Slides/Lecture11 - CSharp Redux.pptx
+++ b/Slides/Lecture11 - CSharp Redux.pptx
@@ -336,7 +336,7 @@
               <a:rPr lang="en-US" smtClean="0">
                 <a:latin typeface="Segoe UI" pitchFamily="34" charset="0"/>
               </a:rPr>
-              <a:t>11/22/2017</a:t>
+              <a:t>11/23/2017</a:t>
             </a:fld>
             <a:endParaRPr lang="en-US" dirty="0">
               <a:latin typeface="Segoe UI" pitchFamily="34" charset="0"/>
@@ -659,7 +659,7 @@
             <a:fld id="{D51B1278-D92B-4AF3-A9C1-71DD298190CE}" type="datetimeFigureOut">
               <a:rPr lang="en-US" smtClean="0"/>
               <a:pPr/>
-              <a:t>11/22/2017</a:t>
+              <a:t>11/23/2017</a:t>
             </a:fld>
             <a:endParaRPr lang="en-US" dirty="0"/>
           </a:p>
@@ -1064,7 +1064,7 @@
           <a:p>
             <a:fld id="{23C664AC-E9A8-46F0-BB26-995D9E922CBA}" type="datetime1">
               <a:rPr lang="en-US" smtClean="0"/>
-              <a:t>11/22/2017</a:t>
+              <a:t>11/23/2017</a:t>
             </a:fld>
             <a:endParaRPr lang="en-US" dirty="0"/>
           </a:p>
@@ -1267,7 +1267,7 @@
           <a:p>
             <a:fld id="{C4F94B10-4342-40FC-AEC6-5C03AF201BA2}" type="datetime1">
               <a:rPr lang="en-US" smtClean="0"/>
-              <a:t>11/22/2017</a:t>
+              <a:t>11/23/2017</a:t>
             </a:fld>
             <a:endParaRPr lang="en-US" dirty="0"/>
           </a:p>
@@ -5100,21 +5100,8 @@
                   <a:schemeClr val="bg1"/>
                 </a:solidFill>
               </a:rPr>
-              <a:t>Security in ASP.NET, UWP, and </a:t>
-            </a:r>
-            <a:r>
-              <a:rPr lang="da-DK" sz="3200" dirty="0" err="1">
-                <a:solidFill>
-                  <a:schemeClr val="bg1"/>
-                </a:solidFill>
-              </a:rPr>
-              <a:t>Xamarin.Forms</a:t>
-            </a:r>
-            <a:endParaRPr lang="da-DK" sz="3200" dirty="0">
-              <a:solidFill>
-                <a:schemeClr val="bg1"/>
-              </a:solidFill>
-            </a:endParaRPr>
+              <a:t>Security in ASP.NET and UWP</a:t>
+            </a:r>
           </a:p>
           <a:p>
             <a:endParaRPr lang="en-US" sz="3200" dirty="0">
@@ -5125,20 +5112,12 @@
           </a:p>
           <a:p>
             <a:r>
-              <a:rPr lang="en-US" sz="3200" dirty="0" err="1">
-                <a:solidFill>
-                  <a:schemeClr val="bg1"/>
-                </a:solidFill>
-              </a:rPr>
-              <a:t>Entitity</a:t>
-            </a:r>
-            <a:r>
               <a:rPr lang="en-US" sz="3200" dirty="0">
                 <a:solidFill>
                   <a:schemeClr val="bg1"/>
                 </a:solidFill>
               </a:rPr>
-              <a:t> Framework Core</a:t>
+              <a:t>Entity Framework Core</a:t>
             </a:r>
           </a:p>
           <a:p>
@@ -5196,25 +5175,38 @@
                   <a:schemeClr val="bg1"/>
                 </a:solidFill>
               </a:rPr>
-              <a:t> </a:t>
-            </a:r>
-          </a:p>
-          <a:p>
+              <a:t> (</a:t>
+            </a:r>
+            <a:r>
+              <a:rPr lang="en-US" sz="3200" dirty="0" err="1">
+                <a:solidFill>
+                  <a:schemeClr val="bg1"/>
+                </a:solidFill>
+              </a:rPr>
+              <a:t>IDisposable</a:t>
+            </a:r>
             <a:r>
               <a:rPr lang="en-US" sz="3200">
                 <a:solidFill>
                   <a:schemeClr val="bg1"/>
                 </a:solidFill>
               </a:rPr>
-              <a:t>GUI </a:t>
-            </a:r>
+              <a:t>)</a:t>
+            </a:r>
+            <a:endParaRPr lang="en-US" sz="3200" dirty="0">
+              <a:solidFill>
+                <a:schemeClr val="bg1"/>
+              </a:solidFill>
+            </a:endParaRPr>
+          </a:p>
+          <a:p>
             <a:r>
               <a:rPr lang="en-US" sz="3200" dirty="0">
                 <a:solidFill>
                   <a:schemeClr val="bg1"/>
                 </a:solidFill>
               </a:rPr>
-              <a:t>using UWP and Xamarin</a:t>
+              <a:t>GUI using UWP and Xamarin</a:t>
             </a:r>
             <a:endParaRPr lang="da-DK" sz="3200" dirty="0">
               <a:solidFill>
@@ -6455,15 +6447,15 @@
 <ds:datastoreItem xmlns:ds="http://schemas.openxmlformats.org/officeDocument/2006/customXml" ds:itemID="{F990F116-B58F-4255-B05B-DA3808E0E5C6}">
   <ds:schemaRefs>
     <ds:schemaRef ds:uri="http://schemas.microsoft.com/office/infopath/2007/PartnerControls"/>
-    <ds:schemaRef ds:uri="http://purl.org/dc/elements/1.1/"/>
-    <ds:schemaRef ds:uri="http://purl.org/dc/dcmitype/"/>
-    <ds:schemaRef ds:uri="2295e2e7-0eeb-498e-8716-217bb2ee6ee3"/>
     <ds:schemaRef ds:uri="http://schemas.microsoft.com/office/2006/documentManagement/types"/>
-    <ds:schemaRef ds:uri="http://schemas.openxmlformats.org/package/2006/metadata/core-properties"/>
-    <ds:schemaRef ds:uri="http://www.w3.org/XML/1998/namespace"/>
     <ds:schemaRef ds:uri="8b529f77-48ab-4581-b468-93f09345b8aa"/>
     <ds:schemaRef ds:uri="http://schemas.microsoft.com/office/2006/metadata/properties"/>
     <ds:schemaRef ds:uri="http://purl.org/dc/terms/"/>
+    <ds:schemaRef ds:uri="2295e2e7-0eeb-498e-8716-217bb2ee6ee3"/>
+    <ds:schemaRef ds:uri="http://purl.org/dc/elements/1.1/"/>
+    <ds:schemaRef ds:uri="http://schemas.openxmlformats.org/package/2006/metadata/core-properties"/>
+    <ds:schemaRef ds:uri="http://www.w3.org/XML/1998/namespace"/>
+    <ds:schemaRef ds:uri="http://purl.org/dc/dcmitype/"/>
   </ds:schemaRefs>
 </ds:datastoreItem>
 </file>
